--- a/Report-Presentation/Presentation_v2.pptx
+++ b/Report-Presentation/Presentation_v2.pptx
@@ -292,7 +292,7 @@
           <a:p>
             <a:fld id="{26584D79-48F1-4B28-B5C8-773EB430D947}" type="slidenum">
               <a:rPr lang="it-IT" smtClean="0"/>
-              <a:t>‹#›</a:t>
+              <a:t>‹N›</a:t>
             </a:fld>
             <a:endParaRPr lang="it-IT"/>
           </a:p>
@@ -550,7 +550,7 @@
           <a:p>
             <a:fld id="{7B693BA2-FE06-4904-AA83-3AB18951AF38}" type="slidenum">
               <a:rPr lang="it-IT" smtClean="0"/>
-              <a:t>‹#›</a:t>
+              <a:t>‹N›</a:t>
             </a:fld>
             <a:endParaRPr lang="it-IT"/>
           </a:p>
@@ -1254,7 +1254,7 @@
           <a:p>
             <a:fld id="{64940616-D2BF-483C-A102-8A041BC94CFF}" type="slidenum">
               <a:rPr lang="it-IT" smtClean="0"/>
-              <a:t>‹#›</a:t>
+              <a:t>‹N›</a:t>
             </a:fld>
             <a:endParaRPr lang="it-IT"/>
           </a:p>
@@ -1425,7 +1425,7 @@
           <a:p>
             <a:fld id="{64940616-D2BF-483C-A102-8A041BC94CFF}" type="slidenum">
               <a:rPr lang="it-IT" smtClean="0"/>
-              <a:t>‹#›</a:t>
+              <a:t>‹N›</a:t>
             </a:fld>
             <a:endParaRPr lang="it-IT"/>
           </a:p>
@@ -1606,7 +1606,7 @@
           <a:p>
             <a:fld id="{64940616-D2BF-483C-A102-8A041BC94CFF}" type="slidenum">
               <a:rPr lang="it-IT" smtClean="0"/>
-              <a:t>‹#›</a:t>
+              <a:t>‹N›</a:t>
             </a:fld>
             <a:endParaRPr lang="it-IT"/>
           </a:p>
@@ -1777,7 +1777,7 @@
           <a:p>
             <a:fld id="{64940616-D2BF-483C-A102-8A041BC94CFF}" type="slidenum">
               <a:rPr lang="it-IT" smtClean="0"/>
-              <a:t>‹#›</a:t>
+              <a:t>‹N›</a:t>
             </a:fld>
             <a:endParaRPr lang="it-IT"/>
           </a:p>
@@ -2025,7 +2025,7 @@
           <a:p>
             <a:fld id="{64940616-D2BF-483C-A102-8A041BC94CFF}" type="slidenum">
               <a:rPr lang="it-IT" smtClean="0"/>
-              <a:t>‹#›</a:t>
+              <a:t>‹N›</a:t>
             </a:fld>
             <a:endParaRPr lang="it-IT"/>
           </a:p>
@@ -2257,7 +2257,7 @@
           <a:p>
             <a:fld id="{64940616-D2BF-483C-A102-8A041BC94CFF}" type="slidenum">
               <a:rPr lang="it-IT" smtClean="0"/>
-              <a:t>‹#›</a:t>
+              <a:t>‹N›</a:t>
             </a:fld>
             <a:endParaRPr lang="it-IT"/>
           </a:p>
@@ -2624,7 +2624,7 @@
           <a:p>
             <a:fld id="{64940616-D2BF-483C-A102-8A041BC94CFF}" type="slidenum">
               <a:rPr lang="it-IT" smtClean="0"/>
-              <a:t>‹#›</a:t>
+              <a:t>‹N›</a:t>
             </a:fld>
             <a:endParaRPr lang="it-IT"/>
           </a:p>
@@ -2744,7 +2744,7 @@
           <a:p>
             <a:fld id="{64940616-D2BF-483C-A102-8A041BC94CFF}" type="slidenum">
               <a:rPr lang="it-IT" smtClean="0"/>
-              <a:t>‹#›</a:t>
+              <a:t>‹N›</a:t>
             </a:fld>
             <a:endParaRPr lang="it-IT"/>
           </a:p>
@@ -2842,7 +2842,7 @@
           <a:p>
             <a:fld id="{64940616-D2BF-483C-A102-8A041BC94CFF}" type="slidenum">
               <a:rPr lang="it-IT" smtClean="0"/>
-              <a:t>‹#›</a:t>
+              <a:t>‹N›</a:t>
             </a:fld>
             <a:endParaRPr lang="it-IT"/>
           </a:p>
@@ -3120,7 +3120,7 @@
           <a:p>
             <a:fld id="{64940616-D2BF-483C-A102-8A041BC94CFF}" type="slidenum">
               <a:rPr lang="it-IT" smtClean="0"/>
-              <a:t>‹#›</a:t>
+              <a:t>‹N›</a:t>
             </a:fld>
             <a:endParaRPr lang="it-IT"/>
           </a:p>
@@ -3375,7 +3375,7 @@
           <a:p>
             <a:fld id="{64940616-D2BF-483C-A102-8A041BC94CFF}" type="slidenum">
               <a:rPr lang="it-IT" smtClean="0"/>
-              <a:t>‹#›</a:t>
+              <a:t>‹N›</a:t>
             </a:fld>
             <a:endParaRPr lang="it-IT"/>
           </a:p>
@@ -3625,7 +3625,7 @@
           <a:p>
             <a:fld id="{64940616-D2BF-483C-A102-8A041BC94CFF}" type="slidenum">
               <a:rPr lang="it-IT" smtClean="0"/>
-              <a:t>‹#›</a:t>
+              <a:t>‹N›</a:t>
             </a:fld>
             <a:endParaRPr lang="it-IT"/>
           </a:p>
@@ -5641,11 +5641,13 @@
         <p:spPr>
           <a:xfrm>
             <a:off x="901521" y="0"/>
-            <a:ext cx="10452279" cy="5481504"/>
+            <a:ext cx="10452279" cy="1323833"/>
           </a:xfrm>
         </p:spPr>
         <p:txBody>
-          <a:bodyPr/>
+          <a:bodyPr>
+            <a:normAutofit lnSpcReduction="10000"/>
+          </a:bodyPr>
           <a:lstStyle/>
           <a:p>
             <a:endParaRPr lang="en-US" noProof="0" dirty="0"/>
@@ -5736,8 +5738,8 @@
         </p:blipFill>
         <p:spPr>
           <a:xfrm>
-            <a:off x="1363873" y="997090"/>
-            <a:ext cx="9527574" cy="5359260"/>
+            <a:off x="1753286" y="1433749"/>
+            <a:ext cx="8748748" cy="4921170"/>
           </a:xfrm>
           <a:prstGeom prst="rect">
             <a:avLst/>
@@ -5752,8 +5754,8 @@
         </p:nvSpPr>
         <p:spPr>
           <a:xfrm>
-            <a:off x="3832133" y="4688541"/>
-            <a:ext cx="712210" cy="210426"/>
+            <a:off x="4231547" y="4815378"/>
+            <a:ext cx="653991" cy="192774"/>
           </a:xfrm>
           <a:prstGeom prst="ellipse">
             <a:avLst/>
@@ -5798,8 +5800,8 @@
         </p:nvSpPr>
         <p:spPr>
           <a:xfrm>
-            <a:off x="1754908" y="1682104"/>
-            <a:ext cx="521907" cy="192878"/>
+            <a:off x="1721626" y="2053126"/>
+            <a:ext cx="479244" cy="176698"/>
           </a:xfrm>
           <a:prstGeom prst="ellipse">
             <a:avLst/>
@@ -5974,8 +5976,8 @@
         </p:blipFill>
         <p:spPr>
           <a:xfrm>
-            <a:off x="1413164" y="1009821"/>
-            <a:ext cx="9504941" cy="5346529"/>
+            <a:off x="1704518" y="1419367"/>
+            <a:ext cx="8776859" cy="4936983"/>
           </a:xfrm>
           <a:prstGeom prst="rect">
             <a:avLst/>
@@ -5990,7 +5992,7 @@
         </p:nvSpPr>
         <p:spPr>
           <a:xfrm>
-            <a:off x="4595370" y="1645644"/>
+            <a:off x="4595370" y="2014133"/>
             <a:ext cx="1738431" cy="639612"/>
           </a:xfrm>
           <a:prstGeom prst="ellipse">
@@ -6859,7 +6861,7 @@
         </p:blipFill>
         <p:spPr>
           <a:xfrm>
-            <a:off x="8153400" y="646938"/>
+            <a:off x="8153400" y="986251"/>
             <a:ext cx="3310884" cy="3108960"/>
           </a:xfrm>
           <a:prstGeom prst="rect">
@@ -6942,8 +6944,8 @@
         </p:nvCxnSpPr>
         <p:spPr>
           <a:xfrm flipH="1" flipV="1">
-            <a:off x="9808842" y="3755898"/>
-            <a:ext cx="482315" cy="1298240"/>
+            <a:off x="9808842" y="4095211"/>
+            <a:ext cx="482315" cy="958927"/>
           </a:xfrm>
           <a:prstGeom prst="straightConnector1">
             <a:avLst/>
@@ -9352,8 +9354,8 @@
         </p:blipFill>
         <p:spPr>
           <a:xfrm>
-            <a:off x="2873057" y="1681031"/>
-            <a:ext cx="6445886" cy="4495932"/>
+            <a:off x="2873057" y="2175092"/>
+            <a:ext cx="5737543" cy="4001871"/>
           </a:xfrm>
           <a:prstGeom prst="rect">
             <a:avLst/>
@@ -9489,8 +9491,8 @@
         </p:blipFill>
         <p:spPr>
           <a:xfrm>
-            <a:off x="3393623" y="1586046"/>
-            <a:ext cx="5404754" cy="4602068"/>
+            <a:off x="3667250" y="1967774"/>
+            <a:ext cx="4943350" cy="4209189"/>
           </a:xfrm>
           <a:prstGeom prst="rect">
             <a:avLst/>

--- a/Report-Presentation/Presentation_v2.pptx
+++ b/Report-Presentation/Presentation_v2.pptx
@@ -7877,31 +7877,75 @@
           </a:lstStyle>
           <a:p>
             <a:r>
-              <a:rPr lang="en-US" dirty="0" err="1">
+              <a:rPr lang="en-US" dirty="0" err="1"/>
+              <a:t>Prodotto</a:t>
+            </a:r>
+            <a:r>
+              <a:rPr lang="en-US" dirty="0"/>
+              <a:t> </a:t>
+            </a:r>
+            <a:r>
+              <a:rPr lang="en-US" dirty="0" smtClean="0"/>
+              <a:t>1: </a:t>
+            </a:r>
+            <a:r>
+              <a:rPr lang="en-US" dirty="0" smtClean="0">
                 <a:hlinkClick r:id="rId2" action="ppaction://hlinkfile"/>
               </a:rPr>
-              <a:t>Prodotto</a:t>
-            </a:r>
-            <a:r>
-              <a:rPr lang="en-US" dirty="0">
-                <a:hlinkClick r:id="rId2" action="ppaction://hlinkfile"/>
-              </a:rPr>
-              <a:t> 1</a:t>
-            </a:r>
-            <a:endParaRPr lang="en-US" dirty="0"/>
-          </a:p>
-          <a:p>
-            <a:r>
-              <a:rPr lang="en-US" dirty="0" err="1">
+              <a:t>.csv</a:t>
+            </a:r>
+            <a:r>
+              <a:rPr lang="en-US" dirty="0" smtClean="0"/>
+              <a:t>, </a:t>
+            </a:r>
+            <a:r>
+              <a:rPr lang="en-US" dirty="0" smtClean="0">
                 <a:hlinkClick r:id="rId3" action="ppaction://hlinkfile"/>
               </a:rPr>
-              <a:t>Prodotto</a:t>
-            </a:r>
-            <a:r>
-              <a:rPr lang="en-US" dirty="0">
+              <a:t>.</a:t>
+            </a:r>
+            <a:r>
+              <a:rPr lang="en-US" dirty="0" err="1" smtClean="0">
                 <a:hlinkClick r:id="rId3" action="ppaction://hlinkfile"/>
               </a:rPr>
-              <a:t> 2</a:t>
+              <a:t>xls</a:t>
+            </a:r>
+            <a:endParaRPr lang="en-US" dirty="0"/>
+          </a:p>
+          <a:p>
+            <a:r>
+              <a:rPr lang="en-US" dirty="0" err="1"/>
+              <a:t>Prodotto</a:t>
+            </a:r>
+            <a:r>
+              <a:rPr lang="en-US" dirty="0"/>
+              <a:t> </a:t>
+            </a:r>
+            <a:r>
+              <a:rPr lang="en-US" dirty="0" smtClean="0"/>
+              <a:t>2: </a:t>
+            </a:r>
+            <a:r>
+              <a:rPr lang="en-US" dirty="0">
+                <a:hlinkClick r:id="rId4" action="ppaction://hlinkfile"/>
+              </a:rPr>
+              <a:t>.csv</a:t>
+            </a:r>
+            <a:r>
+              <a:rPr lang="en-US" dirty="0"/>
+              <a:t>, </a:t>
+            </a:r>
+            <a:r>
+              <a:rPr lang="en-US" dirty="0">
+                <a:hlinkClick r:id="rId5" action="ppaction://hlinkfile"/>
+              </a:rPr>
+              <a:t>.</a:t>
+            </a:r>
+            <a:r>
+              <a:rPr lang="en-US" dirty="0" err="1">
+                <a:hlinkClick r:id="rId5" action="ppaction://hlinkfile"/>
+              </a:rPr>
+              <a:t>xls</a:t>
             </a:r>
             <a:endParaRPr lang="en-US" dirty="0"/>
           </a:p>
